--- a/ppt 16-9/0649.耶稣奇妙的救恩.pptx
+++ b/ppt 16-9/0649.耶稣奇妙的救恩.pptx
@@ -129,7 +129,7 @@
           <p:cNvPr id="2" name="标题 1">
             <a:extLst>
               <a:ext uri="{FF2B5EF4-FFF2-40B4-BE49-F238E27FC236}">
-                <a16:creationId xmlns:a16="http://schemas.microsoft.com/office/drawing/2014/main" id="{E1C0E203-6C9E-DEC6-46AA-156502B8CC4E}"/>
+                <a16:creationId xmlns:a16="http://schemas.microsoft.com/office/drawing/2014/main" id="{4888AA77-0547-4B05-C1BC-3312ED801214}"/>
               </a:ext>
             </a:extLst>
           </p:cNvPr>
@@ -166,7 +166,7 @@
           <p:cNvPr id="3" name="副标题 2">
             <a:extLst>
               <a:ext uri="{FF2B5EF4-FFF2-40B4-BE49-F238E27FC236}">
-                <a16:creationId xmlns:a16="http://schemas.microsoft.com/office/drawing/2014/main" id="{EE2186D6-0D71-13E9-5A9A-03BDACA4EFA9}"/>
+                <a16:creationId xmlns:a16="http://schemas.microsoft.com/office/drawing/2014/main" id="{EBB0F900-E4D8-4717-4E40-5A949B65E946}"/>
               </a:ext>
             </a:extLst>
           </p:cNvPr>
@@ -236,7 +236,7 @@
           <p:cNvPr id="4" name="日期占位符 3">
             <a:extLst>
               <a:ext uri="{FF2B5EF4-FFF2-40B4-BE49-F238E27FC236}">
-                <a16:creationId xmlns:a16="http://schemas.microsoft.com/office/drawing/2014/main" id="{226031A2-13B3-AFB0-B031-B677BC9E9C4A}"/>
+                <a16:creationId xmlns:a16="http://schemas.microsoft.com/office/drawing/2014/main" id="{24BA2D9F-7E2D-8F7A-4725-DD23733EF748}"/>
               </a:ext>
             </a:extLst>
           </p:cNvPr>
@@ -252,7 +252,7 @@
           <a:bodyPr/>
           <a:lstStyle/>
           <a:p>
-            <a:fld id="{E2DBF981-FEB1-4E86-89BF-F1809F52297F}" type="datetimeFigureOut">
+            <a:fld id="{619AD88D-81CC-426B-9AFB-3331AF497301}" type="datetimeFigureOut">
               <a:rPr lang="zh-CN" altLang="en-US" smtClean="0"/>
               <a:t>2024/3/10</a:t>
             </a:fld>
@@ -265,7 +265,7 @@
           <p:cNvPr id="5" name="页脚占位符 4">
             <a:extLst>
               <a:ext uri="{FF2B5EF4-FFF2-40B4-BE49-F238E27FC236}">
-                <a16:creationId xmlns:a16="http://schemas.microsoft.com/office/drawing/2014/main" id="{6B4BA4B4-B7F2-54C3-E412-3F4D3C64AD48}"/>
+                <a16:creationId xmlns:a16="http://schemas.microsoft.com/office/drawing/2014/main" id="{4B588132-CC1E-4ADD-022B-9E0B2EC71CCC}"/>
               </a:ext>
             </a:extLst>
           </p:cNvPr>
@@ -290,7 +290,7 @@
           <p:cNvPr id="6" name="灯片编号占位符 5">
             <a:extLst>
               <a:ext uri="{FF2B5EF4-FFF2-40B4-BE49-F238E27FC236}">
-                <a16:creationId xmlns:a16="http://schemas.microsoft.com/office/drawing/2014/main" id="{F5E680DA-05FB-E4D9-CDFF-8EC46B809D02}"/>
+                <a16:creationId xmlns:a16="http://schemas.microsoft.com/office/drawing/2014/main" id="{DC611A50-8E88-7815-BC20-FC3135D08E3E}"/>
               </a:ext>
             </a:extLst>
           </p:cNvPr>
@@ -306,7 +306,7 @@
           <a:bodyPr/>
           <a:lstStyle/>
           <a:p>
-            <a:fld id="{77F770F6-0306-42BA-9190-CF6AE7FAF7AC}" type="slidenum">
+            <a:fld id="{C9F0B24D-D8AA-4E72-A09B-E29777D5A3EA}" type="slidenum">
               <a:rPr lang="zh-CN" altLang="en-US" smtClean="0"/>
               <a:t>‹#›</a:t>
             </a:fld>
@@ -317,7 +317,7 @@
     </p:spTree>
     <p:extLst>
       <p:ext uri="{BB962C8B-B14F-4D97-AF65-F5344CB8AC3E}">
-        <p14:creationId xmlns:p14="http://schemas.microsoft.com/office/powerpoint/2010/main" val="4045056035"/>
+        <p14:creationId xmlns:p14="http://schemas.microsoft.com/office/powerpoint/2010/main" val="3178887717"/>
       </p:ext>
     </p:extLst>
   </p:cSld>
@@ -349,7 +349,7 @@
           <p:cNvPr id="2" name="标题 1">
             <a:extLst>
               <a:ext uri="{FF2B5EF4-FFF2-40B4-BE49-F238E27FC236}">
-                <a16:creationId xmlns:a16="http://schemas.microsoft.com/office/drawing/2014/main" id="{C4D8BD74-580A-4B5E-9A4E-00A5B0CFFB2D}"/>
+                <a16:creationId xmlns:a16="http://schemas.microsoft.com/office/drawing/2014/main" id="{530225DC-DCEB-BB90-0405-5A5E4A60EB09}"/>
               </a:ext>
             </a:extLst>
           </p:cNvPr>
@@ -377,7 +377,7 @@
           <p:cNvPr id="3" name="竖排文字占位符 2">
             <a:extLst>
               <a:ext uri="{FF2B5EF4-FFF2-40B4-BE49-F238E27FC236}">
-                <a16:creationId xmlns:a16="http://schemas.microsoft.com/office/drawing/2014/main" id="{15492E21-A99E-0C0F-EFD9-105CFF70102A}"/>
+                <a16:creationId xmlns:a16="http://schemas.microsoft.com/office/drawing/2014/main" id="{48793050-E4F8-BFA1-96AD-9A606B8BE524}"/>
               </a:ext>
             </a:extLst>
           </p:cNvPr>
@@ -434,7 +434,7 @@
           <p:cNvPr id="4" name="日期占位符 3">
             <a:extLst>
               <a:ext uri="{FF2B5EF4-FFF2-40B4-BE49-F238E27FC236}">
-                <a16:creationId xmlns:a16="http://schemas.microsoft.com/office/drawing/2014/main" id="{9109DA8D-F346-BDC7-A036-1B628050988A}"/>
+                <a16:creationId xmlns:a16="http://schemas.microsoft.com/office/drawing/2014/main" id="{BA1764B5-9292-8593-6EA3-FD9412532849}"/>
               </a:ext>
             </a:extLst>
           </p:cNvPr>
@@ -450,7 +450,7 @@
           <a:bodyPr/>
           <a:lstStyle/>
           <a:p>
-            <a:fld id="{E2DBF981-FEB1-4E86-89BF-F1809F52297F}" type="datetimeFigureOut">
+            <a:fld id="{619AD88D-81CC-426B-9AFB-3331AF497301}" type="datetimeFigureOut">
               <a:rPr lang="zh-CN" altLang="en-US" smtClean="0"/>
               <a:t>2024/3/10</a:t>
             </a:fld>
@@ -463,7 +463,7 @@
           <p:cNvPr id="5" name="页脚占位符 4">
             <a:extLst>
               <a:ext uri="{FF2B5EF4-FFF2-40B4-BE49-F238E27FC236}">
-                <a16:creationId xmlns:a16="http://schemas.microsoft.com/office/drawing/2014/main" id="{04BD90AE-F6C0-49C9-6419-7BDDDE3DC0E9}"/>
+                <a16:creationId xmlns:a16="http://schemas.microsoft.com/office/drawing/2014/main" id="{93093746-F27C-4D04-ECDB-D1D38702A490}"/>
               </a:ext>
             </a:extLst>
           </p:cNvPr>
@@ -488,7 +488,7 @@
           <p:cNvPr id="6" name="灯片编号占位符 5">
             <a:extLst>
               <a:ext uri="{FF2B5EF4-FFF2-40B4-BE49-F238E27FC236}">
-                <a16:creationId xmlns:a16="http://schemas.microsoft.com/office/drawing/2014/main" id="{4415A465-3AB0-0E15-2369-9CFBA7516438}"/>
+                <a16:creationId xmlns:a16="http://schemas.microsoft.com/office/drawing/2014/main" id="{866BEE5E-77EE-B7DF-2139-476F54BD0DC7}"/>
               </a:ext>
             </a:extLst>
           </p:cNvPr>
@@ -504,7 +504,7 @@
           <a:bodyPr/>
           <a:lstStyle/>
           <a:p>
-            <a:fld id="{77F770F6-0306-42BA-9190-CF6AE7FAF7AC}" type="slidenum">
+            <a:fld id="{C9F0B24D-D8AA-4E72-A09B-E29777D5A3EA}" type="slidenum">
               <a:rPr lang="zh-CN" altLang="en-US" smtClean="0"/>
               <a:t>‹#›</a:t>
             </a:fld>
@@ -515,7 +515,7 @@
     </p:spTree>
     <p:extLst>
       <p:ext uri="{BB962C8B-B14F-4D97-AF65-F5344CB8AC3E}">
-        <p14:creationId xmlns:p14="http://schemas.microsoft.com/office/powerpoint/2010/main" val="4097247049"/>
+        <p14:creationId xmlns:p14="http://schemas.microsoft.com/office/powerpoint/2010/main" val="36535642"/>
       </p:ext>
     </p:extLst>
   </p:cSld>
@@ -547,7 +547,7 @@
           <p:cNvPr id="2" name="竖排标题 1">
             <a:extLst>
               <a:ext uri="{FF2B5EF4-FFF2-40B4-BE49-F238E27FC236}">
-                <a16:creationId xmlns:a16="http://schemas.microsoft.com/office/drawing/2014/main" id="{907E683C-8F5C-2CCE-D716-6D6523092A1F}"/>
+                <a16:creationId xmlns:a16="http://schemas.microsoft.com/office/drawing/2014/main" id="{90B3A19B-4B00-562C-3D90-C233261AF027}"/>
               </a:ext>
             </a:extLst>
           </p:cNvPr>
@@ -580,7 +580,7 @@
           <p:cNvPr id="3" name="竖排文字占位符 2">
             <a:extLst>
               <a:ext uri="{FF2B5EF4-FFF2-40B4-BE49-F238E27FC236}">
-                <a16:creationId xmlns:a16="http://schemas.microsoft.com/office/drawing/2014/main" id="{E4F0B15C-4949-5260-6095-17117989DC5A}"/>
+                <a16:creationId xmlns:a16="http://schemas.microsoft.com/office/drawing/2014/main" id="{285B544A-66D4-3579-4E41-216E5677D845}"/>
               </a:ext>
             </a:extLst>
           </p:cNvPr>
@@ -642,7 +642,7 @@
           <p:cNvPr id="4" name="日期占位符 3">
             <a:extLst>
               <a:ext uri="{FF2B5EF4-FFF2-40B4-BE49-F238E27FC236}">
-                <a16:creationId xmlns:a16="http://schemas.microsoft.com/office/drawing/2014/main" id="{C0C21FF2-8C84-1A68-161A-42C6C8679571}"/>
+                <a16:creationId xmlns:a16="http://schemas.microsoft.com/office/drawing/2014/main" id="{4D4C1380-70C0-4624-CB58-8586C467D7C9}"/>
               </a:ext>
             </a:extLst>
           </p:cNvPr>
@@ -658,7 +658,7 @@
           <a:bodyPr/>
           <a:lstStyle/>
           <a:p>
-            <a:fld id="{E2DBF981-FEB1-4E86-89BF-F1809F52297F}" type="datetimeFigureOut">
+            <a:fld id="{619AD88D-81CC-426B-9AFB-3331AF497301}" type="datetimeFigureOut">
               <a:rPr lang="zh-CN" altLang="en-US" smtClean="0"/>
               <a:t>2024/3/10</a:t>
             </a:fld>
@@ -671,7 +671,7 @@
           <p:cNvPr id="5" name="页脚占位符 4">
             <a:extLst>
               <a:ext uri="{FF2B5EF4-FFF2-40B4-BE49-F238E27FC236}">
-                <a16:creationId xmlns:a16="http://schemas.microsoft.com/office/drawing/2014/main" id="{ADC692D1-40FC-F374-D6D4-31EB27298218}"/>
+                <a16:creationId xmlns:a16="http://schemas.microsoft.com/office/drawing/2014/main" id="{BB266E7B-FE7B-57AE-F468-1D0211DCDA0D}"/>
               </a:ext>
             </a:extLst>
           </p:cNvPr>
@@ -696,7 +696,7 @@
           <p:cNvPr id="6" name="灯片编号占位符 5">
             <a:extLst>
               <a:ext uri="{FF2B5EF4-FFF2-40B4-BE49-F238E27FC236}">
-                <a16:creationId xmlns:a16="http://schemas.microsoft.com/office/drawing/2014/main" id="{23F0C2D1-AB28-ADBF-A146-027C8DC2E5F7}"/>
+                <a16:creationId xmlns:a16="http://schemas.microsoft.com/office/drawing/2014/main" id="{91A38348-A8E7-1C8F-248E-97878E73E3C4}"/>
               </a:ext>
             </a:extLst>
           </p:cNvPr>
@@ -712,7 +712,7 @@
           <a:bodyPr/>
           <a:lstStyle/>
           <a:p>
-            <a:fld id="{77F770F6-0306-42BA-9190-CF6AE7FAF7AC}" type="slidenum">
+            <a:fld id="{C9F0B24D-D8AA-4E72-A09B-E29777D5A3EA}" type="slidenum">
               <a:rPr lang="zh-CN" altLang="en-US" smtClean="0"/>
               <a:t>‹#›</a:t>
             </a:fld>
@@ -723,7 +723,7 @@
     </p:spTree>
     <p:extLst>
       <p:ext uri="{BB962C8B-B14F-4D97-AF65-F5344CB8AC3E}">
-        <p14:creationId xmlns:p14="http://schemas.microsoft.com/office/powerpoint/2010/main" val="550659021"/>
+        <p14:creationId xmlns:p14="http://schemas.microsoft.com/office/powerpoint/2010/main" val="3984154675"/>
       </p:ext>
     </p:extLst>
   </p:cSld>
@@ -755,7 +755,7 @@
           <p:cNvPr id="2" name="标题 1">
             <a:extLst>
               <a:ext uri="{FF2B5EF4-FFF2-40B4-BE49-F238E27FC236}">
-                <a16:creationId xmlns:a16="http://schemas.microsoft.com/office/drawing/2014/main" id="{2BF2065A-C57A-1223-582D-2266B8FA1D8A}"/>
+                <a16:creationId xmlns:a16="http://schemas.microsoft.com/office/drawing/2014/main" id="{2145B11E-9298-C720-994D-21F805BB01E0}"/>
               </a:ext>
             </a:extLst>
           </p:cNvPr>
@@ -783,7 +783,7 @@
           <p:cNvPr id="3" name="内容占位符 2">
             <a:extLst>
               <a:ext uri="{FF2B5EF4-FFF2-40B4-BE49-F238E27FC236}">
-                <a16:creationId xmlns:a16="http://schemas.microsoft.com/office/drawing/2014/main" id="{CACEB0D2-615E-CD6E-F655-D6C01AEE828C}"/>
+                <a16:creationId xmlns:a16="http://schemas.microsoft.com/office/drawing/2014/main" id="{7DF1B74F-2092-25CF-77E4-B3CC162BF15D}"/>
               </a:ext>
             </a:extLst>
           </p:cNvPr>
@@ -840,7 +840,7 @@
           <p:cNvPr id="4" name="日期占位符 3">
             <a:extLst>
               <a:ext uri="{FF2B5EF4-FFF2-40B4-BE49-F238E27FC236}">
-                <a16:creationId xmlns:a16="http://schemas.microsoft.com/office/drawing/2014/main" id="{B229E8E5-5DCA-1302-DC09-9D361F00599D}"/>
+                <a16:creationId xmlns:a16="http://schemas.microsoft.com/office/drawing/2014/main" id="{95EEEC22-F83C-9A91-469F-455EA424270F}"/>
               </a:ext>
             </a:extLst>
           </p:cNvPr>
@@ -856,7 +856,7 @@
           <a:bodyPr/>
           <a:lstStyle/>
           <a:p>
-            <a:fld id="{E2DBF981-FEB1-4E86-89BF-F1809F52297F}" type="datetimeFigureOut">
+            <a:fld id="{619AD88D-81CC-426B-9AFB-3331AF497301}" type="datetimeFigureOut">
               <a:rPr lang="zh-CN" altLang="en-US" smtClean="0"/>
               <a:t>2024/3/10</a:t>
             </a:fld>
@@ -869,7 +869,7 @@
           <p:cNvPr id="5" name="页脚占位符 4">
             <a:extLst>
               <a:ext uri="{FF2B5EF4-FFF2-40B4-BE49-F238E27FC236}">
-                <a16:creationId xmlns:a16="http://schemas.microsoft.com/office/drawing/2014/main" id="{EDCEDB6B-A2EA-FD04-8EFC-152CEE4CADAF}"/>
+                <a16:creationId xmlns:a16="http://schemas.microsoft.com/office/drawing/2014/main" id="{1692F38F-692C-CBD0-755C-B7A81B32C3FF}"/>
               </a:ext>
             </a:extLst>
           </p:cNvPr>
@@ -894,7 +894,7 @@
           <p:cNvPr id="6" name="灯片编号占位符 5">
             <a:extLst>
               <a:ext uri="{FF2B5EF4-FFF2-40B4-BE49-F238E27FC236}">
-                <a16:creationId xmlns:a16="http://schemas.microsoft.com/office/drawing/2014/main" id="{05251454-62E4-0728-008C-3932A6297A6A}"/>
+                <a16:creationId xmlns:a16="http://schemas.microsoft.com/office/drawing/2014/main" id="{0551F4A7-5A08-7DB5-A209-8C73CAFCDD39}"/>
               </a:ext>
             </a:extLst>
           </p:cNvPr>
@@ -910,7 +910,7 @@
           <a:bodyPr/>
           <a:lstStyle/>
           <a:p>
-            <a:fld id="{77F770F6-0306-42BA-9190-CF6AE7FAF7AC}" type="slidenum">
+            <a:fld id="{C9F0B24D-D8AA-4E72-A09B-E29777D5A3EA}" type="slidenum">
               <a:rPr lang="zh-CN" altLang="en-US" smtClean="0"/>
               <a:t>‹#›</a:t>
             </a:fld>
@@ -921,7 +921,7 @@
     </p:spTree>
     <p:extLst>
       <p:ext uri="{BB962C8B-B14F-4D97-AF65-F5344CB8AC3E}">
-        <p14:creationId xmlns:p14="http://schemas.microsoft.com/office/powerpoint/2010/main" val="3886452505"/>
+        <p14:creationId xmlns:p14="http://schemas.microsoft.com/office/powerpoint/2010/main" val="2851076760"/>
       </p:ext>
     </p:extLst>
   </p:cSld>
@@ -953,7 +953,7 @@
           <p:cNvPr id="2" name="标题 1">
             <a:extLst>
               <a:ext uri="{FF2B5EF4-FFF2-40B4-BE49-F238E27FC236}">
-                <a16:creationId xmlns:a16="http://schemas.microsoft.com/office/drawing/2014/main" id="{EF94883B-DDDD-3CFA-9E4A-15A48012C449}"/>
+                <a16:creationId xmlns:a16="http://schemas.microsoft.com/office/drawing/2014/main" id="{30A352C3-66C0-9B2B-BE08-5B38C9766223}"/>
               </a:ext>
             </a:extLst>
           </p:cNvPr>
@@ -990,7 +990,7 @@
           <p:cNvPr id="3" name="文本占位符 2">
             <a:extLst>
               <a:ext uri="{FF2B5EF4-FFF2-40B4-BE49-F238E27FC236}">
-                <a16:creationId xmlns:a16="http://schemas.microsoft.com/office/drawing/2014/main" id="{BBD5949F-626F-8A87-F0FA-99876320F9B9}"/>
+                <a16:creationId xmlns:a16="http://schemas.microsoft.com/office/drawing/2014/main" id="{814F6BB4-0124-F9C6-3990-565C1F0EC9F5}"/>
               </a:ext>
             </a:extLst>
           </p:cNvPr>
@@ -1115,7 +1115,7 @@
           <p:cNvPr id="4" name="日期占位符 3">
             <a:extLst>
               <a:ext uri="{FF2B5EF4-FFF2-40B4-BE49-F238E27FC236}">
-                <a16:creationId xmlns:a16="http://schemas.microsoft.com/office/drawing/2014/main" id="{FD7E6AB8-0779-D2D4-171C-7E98EF837847}"/>
+                <a16:creationId xmlns:a16="http://schemas.microsoft.com/office/drawing/2014/main" id="{052D3D76-4D4D-9D52-BECA-DD681052A59A}"/>
               </a:ext>
             </a:extLst>
           </p:cNvPr>
@@ -1131,7 +1131,7 @@
           <a:bodyPr/>
           <a:lstStyle/>
           <a:p>
-            <a:fld id="{E2DBF981-FEB1-4E86-89BF-F1809F52297F}" type="datetimeFigureOut">
+            <a:fld id="{619AD88D-81CC-426B-9AFB-3331AF497301}" type="datetimeFigureOut">
               <a:rPr lang="zh-CN" altLang="en-US" smtClean="0"/>
               <a:t>2024/3/10</a:t>
             </a:fld>
@@ -1144,7 +1144,7 @@
           <p:cNvPr id="5" name="页脚占位符 4">
             <a:extLst>
               <a:ext uri="{FF2B5EF4-FFF2-40B4-BE49-F238E27FC236}">
-                <a16:creationId xmlns:a16="http://schemas.microsoft.com/office/drawing/2014/main" id="{86B789B8-069E-BC2B-D6A6-6F407D916EAF}"/>
+                <a16:creationId xmlns:a16="http://schemas.microsoft.com/office/drawing/2014/main" id="{6EE15D72-5BE5-0D39-9DBF-CDAC635FE239}"/>
               </a:ext>
             </a:extLst>
           </p:cNvPr>
@@ -1169,7 +1169,7 @@
           <p:cNvPr id="6" name="灯片编号占位符 5">
             <a:extLst>
               <a:ext uri="{FF2B5EF4-FFF2-40B4-BE49-F238E27FC236}">
-                <a16:creationId xmlns:a16="http://schemas.microsoft.com/office/drawing/2014/main" id="{9034DD0F-2D3E-395E-1D58-E3DBE18815B5}"/>
+                <a16:creationId xmlns:a16="http://schemas.microsoft.com/office/drawing/2014/main" id="{1B47630D-9790-947C-4154-B64DB9A5E04C}"/>
               </a:ext>
             </a:extLst>
           </p:cNvPr>
@@ -1185,7 +1185,7 @@
           <a:bodyPr/>
           <a:lstStyle/>
           <a:p>
-            <a:fld id="{77F770F6-0306-42BA-9190-CF6AE7FAF7AC}" type="slidenum">
+            <a:fld id="{C9F0B24D-D8AA-4E72-A09B-E29777D5A3EA}" type="slidenum">
               <a:rPr lang="zh-CN" altLang="en-US" smtClean="0"/>
               <a:t>‹#›</a:t>
             </a:fld>
@@ -1196,7 +1196,7 @@
     </p:spTree>
     <p:extLst>
       <p:ext uri="{BB962C8B-B14F-4D97-AF65-F5344CB8AC3E}">
-        <p14:creationId xmlns:p14="http://schemas.microsoft.com/office/powerpoint/2010/main" val="840358425"/>
+        <p14:creationId xmlns:p14="http://schemas.microsoft.com/office/powerpoint/2010/main" val="2828959579"/>
       </p:ext>
     </p:extLst>
   </p:cSld>
@@ -1228,7 +1228,7 @@
           <p:cNvPr id="2" name="标题 1">
             <a:extLst>
               <a:ext uri="{FF2B5EF4-FFF2-40B4-BE49-F238E27FC236}">
-                <a16:creationId xmlns:a16="http://schemas.microsoft.com/office/drawing/2014/main" id="{859A38B0-A3F9-256B-9D92-725B5BB06F7C}"/>
+                <a16:creationId xmlns:a16="http://schemas.microsoft.com/office/drawing/2014/main" id="{5F584419-DFCB-63BA-CA4C-9066245C8BE8}"/>
               </a:ext>
             </a:extLst>
           </p:cNvPr>
@@ -1256,7 +1256,7 @@
           <p:cNvPr id="3" name="内容占位符 2">
             <a:extLst>
               <a:ext uri="{FF2B5EF4-FFF2-40B4-BE49-F238E27FC236}">
-                <a16:creationId xmlns:a16="http://schemas.microsoft.com/office/drawing/2014/main" id="{B03754CA-0DA9-64A4-11D1-43F7D7F906EA}"/>
+                <a16:creationId xmlns:a16="http://schemas.microsoft.com/office/drawing/2014/main" id="{9ECAC525-C615-1B1C-6933-74EFA54DE1DB}"/>
               </a:ext>
             </a:extLst>
           </p:cNvPr>
@@ -1318,7 +1318,7 @@
           <p:cNvPr id="4" name="内容占位符 3">
             <a:extLst>
               <a:ext uri="{FF2B5EF4-FFF2-40B4-BE49-F238E27FC236}">
-                <a16:creationId xmlns:a16="http://schemas.microsoft.com/office/drawing/2014/main" id="{07609B12-8560-99A9-0DED-DA12A54FCD13}"/>
+                <a16:creationId xmlns:a16="http://schemas.microsoft.com/office/drawing/2014/main" id="{CAB80B33-D867-34DA-CE6F-2EE6A64EF4E0}"/>
               </a:ext>
             </a:extLst>
           </p:cNvPr>
@@ -1380,7 +1380,7 @@
           <p:cNvPr id="5" name="日期占位符 4">
             <a:extLst>
               <a:ext uri="{FF2B5EF4-FFF2-40B4-BE49-F238E27FC236}">
-                <a16:creationId xmlns:a16="http://schemas.microsoft.com/office/drawing/2014/main" id="{3A56C7A8-97C7-59A5-2922-CDA29FD25390}"/>
+                <a16:creationId xmlns:a16="http://schemas.microsoft.com/office/drawing/2014/main" id="{465763AD-0D1B-F22E-7B88-05C6BFC50B05}"/>
               </a:ext>
             </a:extLst>
           </p:cNvPr>
@@ -1396,7 +1396,7 @@
           <a:bodyPr/>
           <a:lstStyle/>
           <a:p>
-            <a:fld id="{E2DBF981-FEB1-4E86-89BF-F1809F52297F}" type="datetimeFigureOut">
+            <a:fld id="{619AD88D-81CC-426B-9AFB-3331AF497301}" type="datetimeFigureOut">
               <a:rPr lang="zh-CN" altLang="en-US" smtClean="0"/>
               <a:t>2024/3/10</a:t>
             </a:fld>
@@ -1409,7 +1409,7 @@
           <p:cNvPr id="6" name="页脚占位符 5">
             <a:extLst>
               <a:ext uri="{FF2B5EF4-FFF2-40B4-BE49-F238E27FC236}">
-                <a16:creationId xmlns:a16="http://schemas.microsoft.com/office/drawing/2014/main" id="{F5E74FFC-6D71-7583-A1FB-5D3E345F196A}"/>
+                <a16:creationId xmlns:a16="http://schemas.microsoft.com/office/drawing/2014/main" id="{6BDA6505-0D62-70BC-96E7-28166BD02583}"/>
               </a:ext>
             </a:extLst>
           </p:cNvPr>
@@ -1434,7 +1434,7 @@
           <p:cNvPr id="7" name="灯片编号占位符 6">
             <a:extLst>
               <a:ext uri="{FF2B5EF4-FFF2-40B4-BE49-F238E27FC236}">
-                <a16:creationId xmlns:a16="http://schemas.microsoft.com/office/drawing/2014/main" id="{F2525929-A27D-F755-97E5-70A4BF388836}"/>
+                <a16:creationId xmlns:a16="http://schemas.microsoft.com/office/drawing/2014/main" id="{803598BF-007B-72B1-5FF7-7DC3316BC31D}"/>
               </a:ext>
             </a:extLst>
           </p:cNvPr>
@@ -1450,7 +1450,7 @@
           <a:bodyPr/>
           <a:lstStyle/>
           <a:p>
-            <a:fld id="{77F770F6-0306-42BA-9190-CF6AE7FAF7AC}" type="slidenum">
+            <a:fld id="{C9F0B24D-D8AA-4E72-A09B-E29777D5A3EA}" type="slidenum">
               <a:rPr lang="zh-CN" altLang="en-US" smtClean="0"/>
               <a:t>‹#›</a:t>
             </a:fld>
@@ -1461,7 +1461,7 @@
     </p:spTree>
     <p:extLst>
       <p:ext uri="{BB962C8B-B14F-4D97-AF65-F5344CB8AC3E}">
-        <p14:creationId xmlns:p14="http://schemas.microsoft.com/office/powerpoint/2010/main" val="1988384265"/>
+        <p14:creationId xmlns:p14="http://schemas.microsoft.com/office/powerpoint/2010/main" val="3044925629"/>
       </p:ext>
     </p:extLst>
   </p:cSld>
@@ -1493,7 +1493,7 @@
           <p:cNvPr id="2" name="标题 1">
             <a:extLst>
               <a:ext uri="{FF2B5EF4-FFF2-40B4-BE49-F238E27FC236}">
-                <a16:creationId xmlns:a16="http://schemas.microsoft.com/office/drawing/2014/main" id="{47F98CB5-B3E0-A7B5-270E-71C90BEEC296}"/>
+                <a16:creationId xmlns:a16="http://schemas.microsoft.com/office/drawing/2014/main" id="{E7915555-09B2-D92A-1C8D-4375E1E37DDC}"/>
               </a:ext>
             </a:extLst>
           </p:cNvPr>
@@ -1526,7 +1526,7 @@
           <p:cNvPr id="3" name="文本占位符 2">
             <a:extLst>
               <a:ext uri="{FF2B5EF4-FFF2-40B4-BE49-F238E27FC236}">
-                <a16:creationId xmlns:a16="http://schemas.microsoft.com/office/drawing/2014/main" id="{4A19ACAA-96F4-9431-B789-E64CD943D579}"/>
+                <a16:creationId xmlns:a16="http://schemas.microsoft.com/office/drawing/2014/main" id="{DBA713E8-A457-CB87-5D22-D92A46339837}"/>
               </a:ext>
             </a:extLst>
           </p:cNvPr>
@@ -1597,7 +1597,7 @@
           <p:cNvPr id="4" name="内容占位符 3">
             <a:extLst>
               <a:ext uri="{FF2B5EF4-FFF2-40B4-BE49-F238E27FC236}">
-                <a16:creationId xmlns:a16="http://schemas.microsoft.com/office/drawing/2014/main" id="{60028DC4-E11F-9B75-2291-811426E3AF41}"/>
+                <a16:creationId xmlns:a16="http://schemas.microsoft.com/office/drawing/2014/main" id="{467787F3-0D3A-9B20-DE6C-6271F44B4E1D}"/>
               </a:ext>
             </a:extLst>
           </p:cNvPr>
@@ -1659,7 +1659,7 @@
           <p:cNvPr id="5" name="文本占位符 4">
             <a:extLst>
               <a:ext uri="{FF2B5EF4-FFF2-40B4-BE49-F238E27FC236}">
-                <a16:creationId xmlns:a16="http://schemas.microsoft.com/office/drawing/2014/main" id="{477A8324-C914-EE13-FF9B-69CCD42AE37D}"/>
+                <a16:creationId xmlns:a16="http://schemas.microsoft.com/office/drawing/2014/main" id="{D8290952-8761-129D-89AD-6A67917BAA92}"/>
               </a:ext>
             </a:extLst>
           </p:cNvPr>
@@ -1730,7 +1730,7 @@
           <p:cNvPr id="6" name="内容占位符 5">
             <a:extLst>
               <a:ext uri="{FF2B5EF4-FFF2-40B4-BE49-F238E27FC236}">
-                <a16:creationId xmlns:a16="http://schemas.microsoft.com/office/drawing/2014/main" id="{2A67AFF0-91C8-471D-09CB-BC0410C6EF32}"/>
+                <a16:creationId xmlns:a16="http://schemas.microsoft.com/office/drawing/2014/main" id="{ABA99B7E-9CB8-4003-25D1-56C95AFDC3FB}"/>
               </a:ext>
             </a:extLst>
           </p:cNvPr>
@@ -1792,7 +1792,7 @@
           <p:cNvPr id="7" name="日期占位符 6">
             <a:extLst>
               <a:ext uri="{FF2B5EF4-FFF2-40B4-BE49-F238E27FC236}">
-                <a16:creationId xmlns:a16="http://schemas.microsoft.com/office/drawing/2014/main" id="{DCCD65C5-5CF2-69F9-14FE-4B0EF4BF4407}"/>
+                <a16:creationId xmlns:a16="http://schemas.microsoft.com/office/drawing/2014/main" id="{7FDD5BBD-C722-839E-4B3C-ACD00E4F1D15}"/>
               </a:ext>
             </a:extLst>
           </p:cNvPr>
@@ -1808,7 +1808,7 @@
           <a:bodyPr/>
           <a:lstStyle/>
           <a:p>
-            <a:fld id="{E2DBF981-FEB1-4E86-89BF-F1809F52297F}" type="datetimeFigureOut">
+            <a:fld id="{619AD88D-81CC-426B-9AFB-3331AF497301}" type="datetimeFigureOut">
               <a:rPr lang="zh-CN" altLang="en-US" smtClean="0"/>
               <a:t>2024/3/10</a:t>
             </a:fld>
@@ -1821,7 +1821,7 @@
           <p:cNvPr id="8" name="页脚占位符 7">
             <a:extLst>
               <a:ext uri="{FF2B5EF4-FFF2-40B4-BE49-F238E27FC236}">
-                <a16:creationId xmlns:a16="http://schemas.microsoft.com/office/drawing/2014/main" id="{971E2CE2-E225-A445-1E82-AB09EA62FC93}"/>
+                <a16:creationId xmlns:a16="http://schemas.microsoft.com/office/drawing/2014/main" id="{A8D9DE05-C4B2-3E43-3876-B402B8FADA63}"/>
               </a:ext>
             </a:extLst>
           </p:cNvPr>
@@ -1846,7 +1846,7 @@
           <p:cNvPr id="9" name="灯片编号占位符 8">
             <a:extLst>
               <a:ext uri="{FF2B5EF4-FFF2-40B4-BE49-F238E27FC236}">
-                <a16:creationId xmlns:a16="http://schemas.microsoft.com/office/drawing/2014/main" id="{21B3803D-BC84-E552-03D0-2D4707D7BE10}"/>
+                <a16:creationId xmlns:a16="http://schemas.microsoft.com/office/drawing/2014/main" id="{A509C379-B316-BDB5-3A9E-EBAC5261EEB3}"/>
               </a:ext>
             </a:extLst>
           </p:cNvPr>
@@ -1862,7 +1862,7 @@
           <a:bodyPr/>
           <a:lstStyle/>
           <a:p>
-            <a:fld id="{77F770F6-0306-42BA-9190-CF6AE7FAF7AC}" type="slidenum">
+            <a:fld id="{C9F0B24D-D8AA-4E72-A09B-E29777D5A3EA}" type="slidenum">
               <a:rPr lang="zh-CN" altLang="en-US" smtClean="0"/>
               <a:t>‹#›</a:t>
             </a:fld>
@@ -1873,7 +1873,7 @@
     </p:spTree>
     <p:extLst>
       <p:ext uri="{BB962C8B-B14F-4D97-AF65-F5344CB8AC3E}">
-        <p14:creationId xmlns:p14="http://schemas.microsoft.com/office/powerpoint/2010/main" val="386764533"/>
+        <p14:creationId xmlns:p14="http://schemas.microsoft.com/office/powerpoint/2010/main" val="2537226306"/>
       </p:ext>
     </p:extLst>
   </p:cSld>
@@ -1905,7 +1905,7 @@
           <p:cNvPr id="2" name="标题 1">
             <a:extLst>
               <a:ext uri="{FF2B5EF4-FFF2-40B4-BE49-F238E27FC236}">
-                <a16:creationId xmlns:a16="http://schemas.microsoft.com/office/drawing/2014/main" id="{B1D3F297-9080-D5DC-36F3-F1A47B79D0B9}"/>
+                <a16:creationId xmlns:a16="http://schemas.microsoft.com/office/drawing/2014/main" id="{58ECCDA6-FA3C-6EC0-A569-BDF5AC115CFF}"/>
               </a:ext>
             </a:extLst>
           </p:cNvPr>
@@ -1933,7 +1933,7 @@
           <p:cNvPr id="3" name="日期占位符 2">
             <a:extLst>
               <a:ext uri="{FF2B5EF4-FFF2-40B4-BE49-F238E27FC236}">
-                <a16:creationId xmlns:a16="http://schemas.microsoft.com/office/drawing/2014/main" id="{1D795723-F404-8BC0-6699-69F5E65D8955}"/>
+                <a16:creationId xmlns:a16="http://schemas.microsoft.com/office/drawing/2014/main" id="{FE25B800-E93D-14A3-361F-5E863C87554E}"/>
               </a:ext>
             </a:extLst>
           </p:cNvPr>
@@ -1949,7 +1949,7 @@
           <a:bodyPr/>
           <a:lstStyle/>
           <a:p>
-            <a:fld id="{E2DBF981-FEB1-4E86-89BF-F1809F52297F}" type="datetimeFigureOut">
+            <a:fld id="{619AD88D-81CC-426B-9AFB-3331AF497301}" type="datetimeFigureOut">
               <a:rPr lang="zh-CN" altLang="en-US" smtClean="0"/>
               <a:t>2024/3/10</a:t>
             </a:fld>
@@ -1962,7 +1962,7 @@
           <p:cNvPr id="4" name="页脚占位符 3">
             <a:extLst>
               <a:ext uri="{FF2B5EF4-FFF2-40B4-BE49-F238E27FC236}">
-                <a16:creationId xmlns:a16="http://schemas.microsoft.com/office/drawing/2014/main" id="{A0ABA4C0-DABE-DF13-D3AD-73E5B526BD07}"/>
+                <a16:creationId xmlns:a16="http://schemas.microsoft.com/office/drawing/2014/main" id="{4D47A829-6134-11FD-D9CC-2CA970BBEEDC}"/>
               </a:ext>
             </a:extLst>
           </p:cNvPr>
@@ -1987,7 +1987,7 @@
           <p:cNvPr id="5" name="灯片编号占位符 4">
             <a:extLst>
               <a:ext uri="{FF2B5EF4-FFF2-40B4-BE49-F238E27FC236}">
-                <a16:creationId xmlns:a16="http://schemas.microsoft.com/office/drawing/2014/main" id="{664C2F35-A790-794F-B6F1-D3D200862B0E}"/>
+                <a16:creationId xmlns:a16="http://schemas.microsoft.com/office/drawing/2014/main" id="{A138885A-12BA-1AD9-C790-591911F42ADF}"/>
               </a:ext>
             </a:extLst>
           </p:cNvPr>
@@ -2003,7 +2003,7 @@
           <a:bodyPr/>
           <a:lstStyle/>
           <a:p>
-            <a:fld id="{77F770F6-0306-42BA-9190-CF6AE7FAF7AC}" type="slidenum">
+            <a:fld id="{C9F0B24D-D8AA-4E72-A09B-E29777D5A3EA}" type="slidenum">
               <a:rPr lang="zh-CN" altLang="en-US" smtClean="0"/>
               <a:t>‹#›</a:t>
             </a:fld>
@@ -2014,7 +2014,7 @@
     </p:spTree>
     <p:extLst>
       <p:ext uri="{BB962C8B-B14F-4D97-AF65-F5344CB8AC3E}">
-        <p14:creationId xmlns:p14="http://schemas.microsoft.com/office/powerpoint/2010/main" val="2428725402"/>
+        <p14:creationId xmlns:p14="http://schemas.microsoft.com/office/powerpoint/2010/main" val="1722464839"/>
       </p:ext>
     </p:extLst>
   </p:cSld>
@@ -2046,7 +2046,7 @@
           <p:cNvPr id="2" name="日期占位符 1">
             <a:extLst>
               <a:ext uri="{FF2B5EF4-FFF2-40B4-BE49-F238E27FC236}">
-                <a16:creationId xmlns:a16="http://schemas.microsoft.com/office/drawing/2014/main" id="{DAED8EDD-9F95-8661-E135-EAD1AB1934B7}"/>
+                <a16:creationId xmlns:a16="http://schemas.microsoft.com/office/drawing/2014/main" id="{A32F30B3-792F-5419-5CBF-399A7BB047C7}"/>
               </a:ext>
             </a:extLst>
           </p:cNvPr>
@@ -2062,7 +2062,7 @@
           <a:bodyPr/>
           <a:lstStyle/>
           <a:p>
-            <a:fld id="{E2DBF981-FEB1-4E86-89BF-F1809F52297F}" type="datetimeFigureOut">
+            <a:fld id="{619AD88D-81CC-426B-9AFB-3331AF497301}" type="datetimeFigureOut">
               <a:rPr lang="zh-CN" altLang="en-US" smtClean="0"/>
               <a:t>2024/3/10</a:t>
             </a:fld>
@@ -2075,7 +2075,7 @@
           <p:cNvPr id="3" name="页脚占位符 2">
             <a:extLst>
               <a:ext uri="{FF2B5EF4-FFF2-40B4-BE49-F238E27FC236}">
-                <a16:creationId xmlns:a16="http://schemas.microsoft.com/office/drawing/2014/main" id="{39CE803B-660A-7D6F-31B2-57AC584959EB}"/>
+                <a16:creationId xmlns:a16="http://schemas.microsoft.com/office/drawing/2014/main" id="{2462AF52-C305-0AA1-8B37-094C9A318280}"/>
               </a:ext>
             </a:extLst>
           </p:cNvPr>
@@ -2100,7 +2100,7 @@
           <p:cNvPr id="4" name="灯片编号占位符 3">
             <a:extLst>
               <a:ext uri="{FF2B5EF4-FFF2-40B4-BE49-F238E27FC236}">
-                <a16:creationId xmlns:a16="http://schemas.microsoft.com/office/drawing/2014/main" id="{8713A734-1AF2-212E-7A87-E6FAE2D696A9}"/>
+                <a16:creationId xmlns:a16="http://schemas.microsoft.com/office/drawing/2014/main" id="{24B1E53E-4F7B-6A30-8EA9-FA1AFC8BAD43}"/>
               </a:ext>
             </a:extLst>
           </p:cNvPr>
@@ -2116,7 +2116,7 @@
           <a:bodyPr/>
           <a:lstStyle/>
           <a:p>
-            <a:fld id="{77F770F6-0306-42BA-9190-CF6AE7FAF7AC}" type="slidenum">
+            <a:fld id="{C9F0B24D-D8AA-4E72-A09B-E29777D5A3EA}" type="slidenum">
               <a:rPr lang="zh-CN" altLang="en-US" smtClean="0"/>
               <a:t>‹#›</a:t>
             </a:fld>
@@ -2127,7 +2127,7 @@
     </p:spTree>
     <p:extLst>
       <p:ext uri="{BB962C8B-B14F-4D97-AF65-F5344CB8AC3E}">
-        <p14:creationId xmlns:p14="http://schemas.microsoft.com/office/powerpoint/2010/main" val="2939123528"/>
+        <p14:creationId xmlns:p14="http://schemas.microsoft.com/office/powerpoint/2010/main" val="1538967600"/>
       </p:ext>
     </p:extLst>
   </p:cSld>
@@ -2159,7 +2159,7 @@
           <p:cNvPr id="2" name="标题 1">
             <a:extLst>
               <a:ext uri="{FF2B5EF4-FFF2-40B4-BE49-F238E27FC236}">
-                <a16:creationId xmlns:a16="http://schemas.microsoft.com/office/drawing/2014/main" id="{94373169-3988-6D3D-1C3B-1F6F2850D237}"/>
+                <a16:creationId xmlns:a16="http://schemas.microsoft.com/office/drawing/2014/main" id="{EC41D02D-2041-6116-05A7-3812197EB7C1}"/>
               </a:ext>
             </a:extLst>
           </p:cNvPr>
@@ -2196,7 +2196,7 @@
           <p:cNvPr id="3" name="内容占位符 2">
             <a:extLst>
               <a:ext uri="{FF2B5EF4-FFF2-40B4-BE49-F238E27FC236}">
-                <a16:creationId xmlns:a16="http://schemas.microsoft.com/office/drawing/2014/main" id="{4821D3CA-5D6D-EB72-11A2-16844974BA4B}"/>
+                <a16:creationId xmlns:a16="http://schemas.microsoft.com/office/drawing/2014/main" id="{EA697D2D-7A48-E0BF-A71E-53AF4AE1A0FD}"/>
               </a:ext>
             </a:extLst>
           </p:cNvPr>
@@ -2286,7 +2286,7 @@
           <p:cNvPr id="4" name="文本占位符 3">
             <a:extLst>
               <a:ext uri="{FF2B5EF4-FFF2-40B4-BE49-F238E27FC236}">
-                <a16:creationId xmlns:a16="http://schemas.microsoft.com/office/drawing/2014/main" id="{045A30E5-4B29-7CE2-385B-CB0E417BECFA}"/>
+                <a16:creationId xmlns:a16="http://schemas.microsoft.com/office/drawing/2014/main" id="{8C9C2BC3-4B8C-DDA9-D657-918EF1223CD0}"/>
               </a:ext>
             </a:extLst>
           </p:cNvPr>
@@ -2357,7 +2357,7 @@
           <p:cNvPr id="5" name="日期占位符 4">
             <a:extLst>
               <a:ext uri="{FF2B5EF4-FFF2-40B4-BE49-F238E27FC236}">
-                <a16:creationId xmlns:a16="http://schemas.microsoft.com/office/drawing/2014/main" id="{94A795D9-5FA4-0FA5-ABD2-7CF254A1881F}"/>
+                <a16:creationId xmlns:a16="http://schemas.microsoft.com/office/drawing/2014/main" id="{738D6C38-7D7C-1D76-5FDC-F567658A37B2}"/>
               </a:ext>
             </a:extLst>
           </p:cNvPr>
@@ -2373,7 +2373,7 @@
           <a:bodyPr/>
           <a:lstStyle/>
           <a:p>
-            <a:fld id="{E2DBF981-FEB1-4E86-89BF-F1809F52297F}" type="datetimeFigureOut">
+            <a:fld id="{619AD88D-81CC-426B-9AFB-3331AF497301}" type="datetimeFigureOut">
               <a:rPr lang="zh-CN" altLang="en-US" smtClean="0"/>
               <a:t>2024/3/10</a:t>
             </a:fld>
@@ -2386,7 +2386,7 @@
           <p:cNvPr id="6" name="页脚占位符 5">
             <a:extLst>
               <a:ext uri="{FF2B5EF4-FFF2-40B4-BE49-F238E27FC236}">
-                <a16:creationId xmlns:a16="http://schemas.microsoft.com/office/drawing/2014/main" id="{D7106462-1AD8-7FD5-76F7-4E57323D624B}"/>
+                <a16:creationId xmlns:a16="http://schemas.microsoft.com/office/drawing/2014/main" id="{3EC0178F-4AE6-ACCD-C0E7-924468E02DC8}"/>
               </a:ext>
             </a:extLst>
           </p:cNvPr>
@@ -2411,7 +2411,7 @@
           <p:cNvPr id="7" name="灯片编号占位符 6">
             <a:extLst>
               <a:ext uri="{FF2B5EF4-FFF2-40B4-BE49-F238E27FC236}">
-                <a16:creationId xmlns:a16="http://schemas.microsoft.com/office/drawing/2014/main" id="{F19B0BCA-C35D-B430-2750-B2FDC96C5E3E}"/>
+                <a16:creationId xmlns:a16="http://schemas.microsoft.com/office/drawing/2014/main" id="{2615F9D4-4503-619D-271A-B7FB10B23E66}"/>
               </a:ext>
             </a:extLst>
           </p:cNvPr>
@@ -2427,7 +2427,7 @@
           <a:bodyPr/>
           <a:lstStyle/>
           <a:p>
-            <a:fld id="{77F770F6-0306-42BA-9190-CF6AE7FAF7AC}" type="slidenum">
+            <a:fld id="{C9F0B24D-D8AA-4E72-A09B-E29777D5A3EA}" type="slidenum">
               <a:rPr lang="zh-CN" altLang="en-US" smtClean="0"/>
               <a:t>‹#›</a:t>
             </a:fld>
@@ -2438,7 +2438,7 @@
     </p:spTree>
     <p:extLst>
       <p:ext uri="{BB962C8B-B14F-4D97-AF65-F5344CB8AC3E}">
-        <p14:creationId xmlns:p14="http://schemas.microsoft.com/office/powerpoint/2010/main" val="397162434"/>
+        <p14:creationId xmlns:p14="http://schemas.microsoft.com/office/powerpoint/2010/main" val="1191523257"/>
       </p:ext>
     </p:extLst>
   </p:cSld>
@@ -2470,7 +2470,7 @@
           <p:cNvPr id="2" name="标题 1">
             <a:extLst>
               <a:ext uri="{FF2B5EF4-FFF2-40B4-BE49-F238E27FC236}">
-                <a16:creationId xmlns:a16="http://schemas.microsoft.com/office/drawing/2014/main" id="{F0CDB568-DE61-CFD7-0009-584C3D41FF8E}"/>
+                <a16:creationId xmlns:a16="http://schemas.microsoft.com/office/drawing/2014/main" id="{9B549FC0-ED80-59DE-0275-0ADE8815B318}"/>
               </a:ext>
             </a:extLst>
           </p:cNvPr>
@@ -2507,7 +2507,7 @@
           <p:cNvPr id="3" name="图片占位符 2">
             <a:extLst>
               <a:ext uri="{FF2B5EF4-FFF2-40B4-BE49-F238E27FC236}">
-                <a16:creationId xmlns:a16="http://schemas.microsoft.com/office/drawing/2014/main" id="{E1C4B602-BBA2-5AB1-131A-9859EFD461DD}"/>
+                <a16:creationId xmlns:a16="http://schemas.microsoft.com/office/drawing/2014/main" id="{532BDB0E-1E52-3329-3A6E-297068FC39D4}"/>
               </a:ext>
             </a:extLst>
           </p:cNvPr>
@@ -2574,7 +2574,7 @@
           <p:cNvPr id="4" name="文本占位符 3">
             <a:extLst>
               <a:ext uri="{FF2B5EF4-FFF2-40B4-BE49-F238E27FC236}">
-                <a16:creationId xmlns:a16="http://schemas.microsoft.com/office/drawing/2014/main" id="{3664BFBA-57DA-0C2D-0C77-9834E91E75C8}"/>
+                <a16:creationId xmlns:a16="http://schemas.microsoft.com/office/drawing/2014/main" id="{E5DBBB43-21F8-486A-70D3-6CD33F89E17A}"/>
               </a:ext>
             </a:extLst>
           </p:cNvPr>
@@ -2645,7 +2645,7 @@
           <p:cNvPr id="5" name="日期占位符 4">
             <a:extLst>
               <a:ext uri="{FF2B5EF4-FFF2-40B4-BE49-F238E27FC236}">
-                <a16:creationId xmlns:a16="http://schemas.microsoft.com/office/drawing/2014/main" id="{690A6DE1-672E-9AEA-0F38-0DC71BA0BC13}"/>
+                <a16:creationId xmlns:a16="http://schemas.microsoft.com/office/drawing/2014/main" id="{BD5373DC-D4D1-749A-D3D5-AF7DCCEA9A1B}"/>
               </a:ext>
             </a:extLst>
           </p:cNvPr>
@@ -2661,7 +2661,7 @@
           <a:bodyPr/>
           <a:lstStyle/>
           <a:p>
-            <a:fld id="{E2DBF981-FEB1-4E86-89BF-F1809F52297F}" type="datetimeFigureOut">
+            <a:fld id="{619AD88D-81CC-426B-9AFB-3331AF497301}" type="datetimeFigureOut">
               <a:rPr lang="zh-CN" altLang="en-US" smtClean="0"/>
               <a:t>2024/3/10</a:t>
             </a:fld>
@@ -2674,7 +2674,7 @@
           <p:cNvPr id="6" name="页脚占位符 5">
             <a:extLst>
               <a:ext uri="{FF2B5EF4-FFF2-40B4-BE49-F238E27FC236}">
-                <a16:creationId xmlns:a16="http://schemas.microsoft.com/office/drawing/2014/main" id="{7E073B4B-3E8E-EAFD-C786-B6E9B09A066B}"/>
+                <a16:creationId xmlns:a16="http://schemas.microsoft.com/office/drawing/2014/main" id="{2726A968-FD9A-851D-3A79-067E472C0FC7}"/>
               </a:ext>
             </a:extLst>
           </p:cNvPr>
@@ -2699,7 +2699,7 @@
           <p:cNvPr id="7" name="灯片编号占位符 6">
             <a:extLst>
               <a:ext uri="{FF2B5EF4-FFF2-40B4-BE49-F238E27FC236}">
-                <a16:creationId xmlns:a16="http://schemas.microsoft.com/office/drawing/2014/main" id="{9DCC8A09-7CA7-4047-28E4-6684BE3B702F}"/>
+                <a16:creationId xmlns:a16="http://schemas.microsoft.com/office/drawing/2014/main" id="{FC0AE1EA-835C-D022-8C43-D7D1096A87DF}"/>
               </a:ext>
             </a:extLst>
           </p:cNvPr>
@@ -2715,7 +2715,7 @@
           <a:bodyPr/>
           <a:lstStyle/>
           <a:p>
-            <a:fld id="{77F770F6-0306-42BA-9190-CF6AE7FAF7AC}" type="slidenum">
+            <a:fld id="{C9F0B24D-D8AA-4E72-A09B-E29777D5A3EA}" type="slidenum">
               <a:rPr lang="zh-CN" altLang="en-US" smtClean="0"/>
               <a:t>‹#›</a:t>
             </a:fld>
@@ -2726,7 +2726,7 @@
     </p:spTree>
     <p:extLst>
       <p:ext uri="{BB962C8B-B14F-4D97-AF65-F5344CB8AC3E}">
-        <p14:creationId xmlns:p14="http://schemas.microsoft.com/office/powerpoint/2010/main" val="1586051434"/>
+        <p14:creationId xmlns:p14="http://schemas.microsoft.com/office/powerpoint/2010/main" val="2642854650"/>
       </p:ext>
     </p:extLst>
   </p:cSld>
@@ -2763,7 +2763,7 @@
           <p:cNvPr id="2" name="标题占位符 1">
             <a:extLst>
               <a:ext uri="{FF2B5EF4-FFF2-40B4-BE49-F238E27FC236}">
-                <a16:creationId xmlns:a16="http://schemas.microsoft.com/office/drawing/2014/main" id="{71EC57D1-33F0-A164-2540-0C6508DB968D}"/>
+                <a16:creationId xmlns:a16="http://schemas.microsoft.com/office/drawing/2014/main" id="{0FCA5DF7-24A2-AAE6-F2F8-60D90AD17B30}"/>
               </a:ext>
             </a:extLst>
           </p:cNvPr>
@@ -2801,7 +2801,7 @@
           <p:cNvPr id="3" name="文本占位符 2">
             <a:extLst>
               <a:ext uri="{FF2B5EF4-FFF2-40B4-BE49-F238E27FC236}">
-                <a16:creationId xmlns:a16="http://schemas.microsoft.com/office/drawing/2014/main" id="{A207A345-3278-37B4-50E9-5690FD3A1185}"/>
+                <a16:creationId xmlns:a16="http://schemas.microsoft.com/office/drawing/2014/main" id="{355522F6-4974-2DC1-80EE-004D3E9692F2}"/>
               </a:ext>
             </a:extLst>
           </p:cNvPr>
@@ -2868,7 +2868,7 @@
           <p:cNvPr id="4" name="日期占位符 3">
             <a:extLst>
               <a:ext uri="{FF2B5EF4-FFF2-40B4-BE49-F238E27FC236}">
-                <a16:creationId xmlns:a16="http://schemas.microsoft.com/office/drawing/2014/main" id="{E04D5651-90D1-2BA9-0C6B-FDEF26D72BD3}"/>
+                <a16:creationId xmlns:a16="http://schemas.microsoft.com/office/drawing/2014/main" id="{73739078-3769-30CF-E571-CDC0BD58313B}"/>
               </a:ext>
             </a:extLst>
           </p:cNvPr>
@@ -2902,7 +2902,7 @@
             </a:lvl1pPr>
           </a:lstStyle>
           <a:p>
-            <a:fld id="{E2DBF981-FEB1-4E86-89BF-F1809F52297F}" type="datetimeFigureOut">
+            <a:fld id="{619AD88D-81CC-426B-9AFB-3331AF497301}" type="datetimeFigureOut">
               <a:rPr lang="zh-CN" altLang="en-US" smtClean="0"/>
               <a:t>2024/3/10</a:t>
             </a:fld>
@@ -2915,7 +2915,7 @@
           <p:cNvPr id="5" name="页脚占位符 4">
             <a:extLst>
               <a:ext uri="{FF2B5EF4-FFF2-40B4-BE49-F238E27FC236}">
-                <a16:creationId xmlns:a16="http://schemas.microsoft.com/office/drawing/2014/main" id="{576E63C9-44EF-9C1E-7DC4-F0AC342D3D1B}"/>
+                <a16:creationId xmlns:a16="http://schemas.microsoft.com/office/drawing/2014/main" id="{E51B57A8-8BAF-2BD6-AFA7-8980680AA060}"/>
               </a:ext>
             </a:extLst>
           </p:cNvPr>
@@ -2958,7 +2958,7 @@
           <p:cNvPr id="6" name="灯片编号占位符 5">
             <a:extLst>
               <a:ext uri="{FF2B5EF4-FFF2-40B4-BE49-F238E27FC236}">
-                <a16:creationId xmlns:a16="http://schemas.microsoft.com/office/drawing/2014/main" id="{8E7CFA72-929D-DFEC-7213-1A322D38A4C4}"/>
+                <a16:creationId xmlns:a16="http://schemas.microsoft.com/office/drawing/2014/main" id="{983B3376-A5B9-6C6C-7CD0-B19516E1F24C}"/>
               </a:ext>
             </a:extLst>
           </p:cNvPr>
@@ -2992,7 +2992,7 @@
             </a:lvl1pPr>
           </a:lstStyle>
           <a:p>
-            <a:fld id="{77F770F6-0306-42BA-9190-CF6AE7FAF7AC}" type="slidenum">
+            <a:fld id="{C9F0B24D-D8AA-4E72-A09B-E29777D5A3EA}" type="slidenum">
               <a:rPr lang="zh-CN" altLang="en-US" smtClean="0"/>
               <a:t>‹#›</a:t>
             </a:fld>
@@ -3003,7 +3003,7 @@
     </p:spTree>
     <p:extLst>
       <p:ext uri="{BB962C8B-B14F-4D97-AF65-F5344CB8AC3E}">
-        <p14:creationId xmlns:p14="http://schemas.microsoft.com/office/powerpoint/2010/main" val="286865422"/>
+        <p14:creationId xmlns:p14="http://schemas.microsoft.com/office/powerpoint/2010/main" val="3373372300"/>
       </p:ext>
     </p:extLst>
   </p:cSld>
